--- a/03/perl_entrance_03.pptx
+++ b/03/perl_entrance_03.pptx
@@ -7163,11 +7163,7 @@
             </a:r>
             <a:r>
               <a:rPr lang="en-US" altLang="ja-JP" dirty="0" smtClean="0"/>
-              <a:t> </a:t>
-            </a:r>
-            <a:r>
-              <a:rPr lang="en-US" altLang="ja-JP" dirty="0" smtClean="0"/>
-              <a:t>’</a:t>
+              <a:t> ’</a:t>
             </a:r>
             <a:r>
               <a:rPr lang="en-US" altLang="ja-JP" dirty="0" err="1"/>
@@ -10849,7 +10845,17 @@
                           <a:latin typeface="Ricty" pitchFamily="1" charset="-128"/>
                           <a:ea typeface="Ricty" pitchFamily="1" charset="-128"/>
                         </a:rPr>
-                        <a:t> </a:t>
+                        <a:t> '</a:t>
+                      </a:r>
+                      <a:r>
+                        <a:rPr kumimoji="1" lang="en-US" altLang="ja-JP" b="0" dirty="0" err="1" smtClean="0">
+                          <a:solidFill>
+                            <a:schemeClr val="tx1"/>
+                          </a:solidFill>
+                          <a:latin typeface="Ricty" pitchFamily="1" charset="-128"/>
+                          <a:ea typeface="Ricty" pitchFamily="1" charset="-128"/>
+                        </a:rPr>
+                        <a:t>umeda</a:t>
                       </a:r>
                       <a:r>
                         <a:rPr kumimoji="1" lang="en-US" altLang="ja-JP" b="0" dirty="0" smtClean="0">
@@ -10859,37 +10865,7 @@
                           <a:latin typeface="Ricty" pitchFamily="1" charset="-128"/>
                           <a:ea typeface="Ricty" pitchFamily="1" charset="-128"/>
                         </a:rPr>
-                        <a:t>'</a:t>
-                      </a:r>
-                      <a:r>
-                        <a:rPr kumimoji="1" lang="en-US" altLang="ja-JP" b="0" dirty="0" err="1" smtClean="0">
-                          <a:solidFill>
-                            <a:schemeClr val="tx1"/>
-                          </a:solidFill>
-                          <a:latin typeface="Ricty" pitchFamily="1" charset="-128"/>
-                          <a:ea typeface="Ricty" pitchFamily="1" charset="-128"/>
-                        </a:rPr>
-                        <a:t>umeda</a:t>
-                      </a:r>
-                      <a:r>
-                        <a:rPr kumimoji="1" lang="en-US" altLang="ja-JP" b="0" dirty="0" smtClean="0">
-                          <a:solidFill>
-                            <a:schemeClr val="tx1"/>
-                          </a:solidFill>
-                          <a:latin typeface="Ricty" pitchFamily="1" charset="-128"/>
-                          <a:ea typeface="Ricty" pitchFamily="1" charset="-128"/>
-                        </a:rPr>
-                        <a:t>' </a:t>
-                      </a:r>
-                      <a:r>
-                        <a:rPr kumimoji="1" lang="en-US" altLang="ja-JP" b="0" dirty="0" smtClean="0">
-                          <a:solidFill>
-                            <a:schemeClr val="tx1"/>
-                          </a:solidFill>
-                          <a:latin typeface="Ricty" pitchFamily="1" charset="-128"/>
-                          <a:ea typeface="Ricty" pitchFamily="1" charset="-128"/>
-                        </a:rPr>
-                        <a:t>&amp;&amp; $money &gt;= 2000) {</a:t>
+                        <a:t>' &amp;&amp; $money &gt;= 2000) {</a:t>
                       </a:r>
                     </a:p>
                     <a:p>
@@ -14608,7 +14584,17 @@
                           <a:latin typeface="Ricty" pitchFamily="1" charset="-128"/>
                           <a:ea typeface="Ricty" pitchFamily="1" charset="-128"/>
                         </a:rPr>
-                        <a:t>my </a:t>
+                        <a:t>my $shift = shift(@array2); # @array2</a:t>
+                      </a:r>
+                      <a:r>
+                        <a:rPr kumimoji="1" lang="ja-JP" altLang="en-US" b="0" dirty="0" smtClean="0">
+                          <a:solidFill>
+                            <a:schemeClr val="tx1"/>
+                          </a:solidFill>
+                          <a:latin typeface="Ricty" pitchFamily="1" charset="-128"/>
+                          <a:ea typeface="Ricty" pitchFamily="1" charset="-128"/>
+                        </a:rPr>
+                        <a:t>の先頭の要素を取り除き</a:t>
                       </a:r>
                       <a:r>
                         <a:rPr kumimoji="1" lang="en-US" altLang="ja-JP" b="0" dirty="0" smtClean="0">
@@ -14618,17 +14604,7 @@
                           <a:latin typeface="Ricty" pitchFamily="1" charset="-128"/>
                           <a:ea typeface="Ricty" pitchFamily="1" charset="-128"/>
                         </a:rPr>
-                        <a:t>$shift </a:t>
-                      </a:r>
-                      <a:r>
-                        <a:rPr kumimoji="1" lang="en-US" altLang="ja-JP" b="0" dirty="0" smtClean="0">
-                          <a:solidFill>
-                            <a:schemeClr val="tx1"/>
-                          </a:solidFill>
-                          <a:latin typeface="Ricty" pitchFamily="1" charset="-128"/>
-                          <a:ea typeface="Ricty" pitchFamily="1" charset="-128"/>
-                        </a:rPr>
-                        <a:t>= shift(@array2); # @array2</a:t>
+                        <a:t>, $shift</a:t>
                       </a:r>
                       <a:r>
                         <a:rPr kumimoji="1" lang="ja-JP" altLang="en-US" b="0" dirty="0" smtClean="0">
@@ -14638,47 +14614,7 @@
                           <a:latin typeface="Ricty" pitchFamily="1" charset="-128"/>
                           <a:ea typeface="Ricty" pitchFamily="1" charset="-128"/>
                         </a:rPr>
-                        <a:t>の先頭の要素を取り除き</a:t>
-                      </a:r>
-                      <a:r>
-                        <a:rPr kumimoji="1" lang="en-US" altLang="ja-JP" b="0" dirty="0" smtClean="0">
-                          <a:solidFill>
-                            <a:schemeClr val="tx1"/>
-                          </a:solidFill>
-                          <a:latin typeface="Ricty" pitchFamily="1" charset="-128"/>
-                          <a:ea typeface="Ricty" pitchFamily="1" charset="-128"/>
-                        </a:rPr>
-                        <a:t>, </a:t>
-                      </a:r>
-                      <a:r>
-                        <a:rPr kumimoji="1" lang="en-US" altLang="ja-JP" b="0" dirty="0" smtClean="0">
-                          <a:solidFill>
-                            <a:schemeClr val="tx1"/>
-                          </a:solidFill>
-                          <a:latin typeface="Ricty" pitchFamily="1" charset="-128"/>
-                          <a:ea typeface="Ricty" pitchFamily="1" charset="-128"/>
-                        </a:rPr>
-                        <a:t>$shift</a:t>
-                      </a:r>
-                      <a:r>
-                        <a:rPr kumimoji="1" lang="ja-JP" altLang="en-US" b="0" dirty="0" smtClean="0">
-                          <a:solidFill>
-                            <a:schemeClr val="tx1"/>
-                          </a:solidFill>
-                          <a:latin typeface="Ricty" pitchFamily="1" charset="-128"/>
-                          <a:ea typeface="Ricty" pitchFamily="1" charset="-128"/>
-                        </a:rPr>
-                        <a:t>に</a:t>
-                      </a:r>
-                      <a:r>
-                        <a:rPr kumimoji="1" lang="ja-JP" altLang="en-US" b="0" dirty="0" smtClean="0">
-                          <a:solidFill>
-                            <a:schemeClr val="tx1"/>
-                          </a:solidFill>
-                          <a:latin typeface="Ricty" pitchFamily="1" charset="-128"/>
-                          <a:ea typeface="Ricty" pitchFamily="1" charset="-128"/>
-                        </a:rPr>
-                        <a:t>代入する</a:t>
+                        <a:t>に代入する</a:t>
                       </a:r>
                     </a:p>
                     <a:p>
@@ -14699,27 +14635,7 @@
                           <a:latin typeface="Ricty" pitchFamily="1" charset="-128"/>
                           <a:ea typeface="Ricty" pitchFamily="1" charset="-128"/>
                         </a:rPr>
-                        <a:t>print </a:t>
-                      </a:r>
-                      <a:r>
-                        <a:rPr kumimoji="1" lang="en-US" altLang="ja-JP" b="0" dirty="0" smtClean="0">
-                          <a:solidFill>
-                            <a:schemeClr val="tx1"/>
-                          </a:solidFill>
-                          <a:latin typeface="Ricty" pitchFamily="1" charset="-128"/>
-                          <a:ea typeface="Ricty" pitchFamily="1" charset="-128"/>
-                        </a:rPr>
-                        <a:t>"@{array}\n</a:t>
-                      </a:r>
-                      <a:r>
-                        <a:rPr kumimoji="1" lang="en-US" altLang="ja-JP" b="0" dirty="0" smtClean="0">
-                          <a:solidFill>
-                            <a:schemeClr val="tx1"/>
-                          </a:solidFill>
-                          <a:latin typeface="Ricty" pitchFamily="1" charset="-128"/>
-                          <a:ea typeface="Ricty" pitchFamily="1" charset="-128"/>
-                        </a:rPr>
-                        <a:t>";</a:t>
+                        <a:t>print "@{array}\n";</a:t>
                       </a:r>
                     </a:p>
                     <a:p>
@@ -14803,47 +14719,7 @@
                           <a:latin typeface="Ricty" pitchFamily="1" charset="-128"/>
                           <a:ea typeface="Ricty" pitchFamily="1" charset="-128"/>
                         </a:rPr>
-                        <a:t>print </a:t>
-                      </a:r>
-                      <a:r>
-                        <a:rPr kumimoji="1" lang="en-US" altLang="ja-JP" b="0" dirty="0" smtClean="0">
-                          <a:solidFill>
-                            <a:schemeClr val="tx1"/>
-                          </a:solidFill>
-                          <a:latin typeface="Ricty" pitchFamily="1" charset="-128"/>
-                          <a:ea typeface="Ricty" pitchFamily="1" charset="-128"/>
-                        </a:rPr>
-                        <a:t>"@{array2} </a:t>
-                      </a:r>
-                      <a:r>
-                        <a:rPr kumimoji="1" lang="en-US" altLang="ja-JP" b="0" dirty="0" smtClean="0">
-                          <a:solidFill>
-                            <a:schemeClr val="tx1"/>
-                          </a:solidFill>
-                          <a:latin typeface="Ricty" pitchFamily="1" charset="-128"/>
-                          <a:ea typeface="Ricty" pitchFamily="1" charset="-128"/>
-                        </a:rPr>
-                        <a:t>/ </a:t>
-                      </a:r>
-                      <a:r>
-                        <a:rPr kumimoji="1" lang="en-US" altLang="ja-JP" b="0" dirty="0" smtClean="0">
-                          <a:solidFill>
-                            <a:schemeClr val="tx1"/>
-                          </a:solidFill>
-                          <a:latin typeface="Ricty" pitchFamily="1" charset="-128"/>
-                          <a:ea typeface="Ricty" pitchFamily="1" charset="-128"/>
-                        </a:rPr>
-                        <a:t>${shift}\n</a:t>
-                      </a:r>
-                      <a:r>
-                        <a:rPr kumimoji="1" lang="en-US" altLang="ja-JP" b="0" dirty="0" smtClean="0">
-                          <a:solidFill>
-                            <a:schemeClr val="tx1"/>
-                          </a:solidFill>
-                          <a:latin typeface="Ricty" pitchFamily="1" charset="-128"/>
-                          <a:ea typeface="Ricty" pitchFamily="1" charset="-128"/>
-                        </a:rPr>
-                        <a:t>";</a:t>
+                        <a:t>print "@{array2} / ${shift}\n";</a:t>
                       </a:r>
                     </a:p>
                     <a:p>
@@ -15805,17 +15681,7 @@
                           <a:latin typeface="Ricty" pitchFamily="1" charset="-128"/>
                           <a:ea typeface="Ricty" pitchFamily="1" charset="-128"/>
                         </a:rPr>
-                        <a:t>print </a:t>
-                      </a:r>
-                      <a:r>
-                        <a:rPr kumimoji="1" lang="en-US" altLang="ja-JP" b="0" dirty="0" smtClean="0">
-                          <a:solidFill>
-                            <a:schemeClr val="tx1"/>
-                          </a:solidFill>
-                          <a:latin typeface="Ricty" pitchFamily="1" charset="-128"/>
-                          <a:ea typeface="Ricty" pitchFamily="1" charset="-128"/>
-                        </a:rPr>
-                        <a:t>"@{array}</a:t>
+                        <a:t>print "@{array}</a:t>
                       </a:r>
                       <a:r>
                         <a:rPr kumimoji="1" lang="en-US" altLang="ja-JP" b="0" baseline="0" dirty="0" smtClean="0">
@@ -15847,27 +15713,7 @@
                           <a:latin typeface="Ricty" pitchFamily="1" charset="-128"/>
                           <a:ea typeface="Ricty" pitchFamily="1" charset="-128"/>
                         </a:rPr>
-                        <a:t>print </a:t>
-                      </a:r>
-                      <a:r>
-                        <a:rPr kumimoji="1" lang="en-US" altLang="ja-JP" b="0" dirty="0" smtClean="0">
-                          <a:solidFill>
-                            <a:schemeClr val="tx1"/>
-                          </a:solidFill>
-                          <a:latin typeface="Ricty" pitchFamily="1" charset="-128"/>
-                          <a:ea typeface="Ricty" pitchFamily="1" charset="-128"/>
-                        </a:rPr>
-                        <a:t>"@{array2}\</a:t>
-                      </a:r>
-                      <a:r>
-                        <a:rPr kumimoji="1" lang="en-US" altLang="ja-JP" b="0" dirty="0" smtClean="0">
-                          <a:solidFill>
-                            <a:schemeClr val="tx1"/>
-                          </a:solidFill>
-                          <a:latin typeface="Ricty" pitchFamily="1" charset="-128"/>
-                          <a:ea typeface="Ricty" pitchFamily="1" charset="-128"/>
-                        </a:rPr>
-                        <a:t>n";</a:t>
+                        <a:t>print "@{array2}\n";</a:t>
                       </a:r>
                     </a:p>
                     <a:p>
@@ -16020,7 +15866,17 @@
                           <a:latin typeface="Ricty" pitchFamily="1" charset="-128"/>
                           <a:ea typeface="Ricty" pitchFamily="1" charset="-128"/>
                         </a:rPr>
-                        <a:t>print </a:t>
+                        <a:t>print "${</a:t>
+                      </a:r>
+                      <a:r>
+                        <a:rPr kumimoji="1" lang="en-US" altLang="ja-JP" b="0" dirty="0" err="1" smtClean="0">
+                          <a:solidFill>
+                            <a:schemeClr val="tx1"/>
+                          </a:solidFill>
+                          <a:latin typeface="Ricty" pitchFamily="1" charset="-128"/>
+                          <a:ea typeface="Ricty" pitchFamily="1" charset="-128"/>
+                        </a:rPr>
+                        <a:t>num</a:t>
                       </a:r>
                       <a:r>
                         <a:rPr kumimoji="1" lang="en-US" altLang="ja-JP" b="0" dirty="0" smtClean="0">
@@ -16030,37 +15886,7 @@
                           <a:latin typeface="Ricty" pitchFamily="1" charset="-128"/>
                           <a:ea typeface="Ricty" pitchFamily="1" charset="-128"/>
                         </a:rPr>
-                        <a:t>"${</a:t>
-                      </a:r>
-                      <a:r>
-                        <a:rPr kumimoji="1" lang="en-US" altLang="ja-JP" b="0" dirty="0" err="1" smtClean="0">
-                          <a:solidFill>
-                            <a:schemeClr val="tx1"/>
-                          </a:solidFill>
-                          <a:latin typeface="Ricty" pitchFamily="1" charset="-128"/>
-                          <a:ea typeface="Ricty" pitchFamily="1" charset="-128"/>
-                        </a:rPr>
-                        <a:t>num</a:t>
-                      </a:r>
-                      <a:r>
-                        <a:rPr kumimoji="1" lang="en-US" altLang="ja-JP" b="0" dirty="0" smtClean="0">
-                          <a:solidFill>
-                            <a:schemeClr val="tx1"/>
-                          </a:solidFill>
-                          <a:latin typeface="Ricty" pitchFamily="1" charset="-128"/>
-                          <a:ea typeface="Ricty" pitchFamily="1" charset="-128"/>
-                        </a:rPr>
-                        <a:t>}\n</a:t>
-                      </a:r>
-                      <a:r>
-                        <a:rPr kumimoji="1" lang="en-US" altLang="ja-JP" b="0" dirty="0" smtClean="0">
-                          <a:solidFill>
-                            <a:schemeClr val="tx1"/>
-                          </a:solidFill>
-                          <a:latin typeface="Ricty" pitchFamily="1" charset="-128"/>
-                          <a:ea typeface="Ricty" pitchFamily="1" charset="-128"/>
-                        </a:rPr>
-                        <a:t>";</a:t>
+                        <a:t>}\n";</a:t>
                       </a:r>
                     </a:p>
                     <a:p>
@@ -16277,7 +16103,17 @@
                           <a:latin typeface="Ricty" pitchFamily="1" charset="-128"/>
                           <a:ea typeface="Ricty" pitchFamily="1" charset="-128"/>
                         </a:rPr>
-                        <a:t>print </a:t>
+                        <a:t>print "${</a:t>
+                      </a:r>
+                      <a:r>
+                        <a:rPr kumimoji="1" lang="en-US" altLang="ja-JP" b="0" dirty="0" err="1" smtClean="0">
+                          <a:solidFill>
+                            <a:schemeClr val="tx1"/>
+                          </a:solidFill>
+                          <a:latin typeface="Ricty" pitchFamily="1" charset="-128"/>
+                          <a:ea typeface="Ricty" pitchFamily="1" charset="-128"/>
+                        </a:rPr>
+                        <a:t>str</a:t>
                       </a:r>
                       <a:r>
                         <a:rPr kumimoji="1" lang="en-US" altLang="ja-JP" b="0" dirty="0" smtClean="0">
@@ -16287,37 +16123,7 @@
                           <a:latin typeface="Ricty" pitchFamily="1" charset="-128"/>
                           <a:ea typeface="Ricty" pitchFamily="1" charset="-128"/>
                         </a:rPr>
-                        <a:t>"${</a:t>
-                      </a:r>
-                      <a:r>
-                        <a:rPr kumimoji="1" lang="en-US" altLang="ja-JP" b="0" dirty="0" err="1" smtClean="0">
-                          <a:solidFill>
-                            <a:schemeClr val="tx1"/>
-                          </a:solidFill>
-                          <a:latin typeface="Ricty" pitchFamily="1" charset="-128"/>
-                          <a:ea typeface="Ricty" pitchFamily="1" charset="-128"/>
-                        </a:rPr>
-                        <a:t>str</a:t>
-                      </a:r>
-                      <a:r>
-                        <a:rPr kumimoji="1" lang="en-US" altLang="ja-JP" b="0" dirty="0" smtClean="0">
-                          <a:solidFill>
-                            <a:schemeClr val="tx1"/>
-                          </a:solidFill>
-                          <a:latin typeface="Ricty" pitchFamily="1" charset="-128"/>
-                          <a:ea typeface="Ricty" pitchFamily="1" charset="-128"/>
-                        </a:rPr>
-                        <a:t>}\n</a:t>
-                      </a:r>
-                      <a:r>
-                        <a:rPr kumimoji="1" lang="en-US" altLang="ja-JP" b="0" dirty="0" smtClean="0">
-                          <a:solidFill>
-                            <a:schemeClr val="tx1"/>
-                          </a:solidFill>
-                          <a:latin typeface="Ricty" pitchFamily="1" charset="-128"/>
-                          <a:ea typeface="Ricty" pitchFamily="1" charset="-128"/>
-                        </a:rPr>
-                        <a:t>";</a:t>
+                        <a:t>}\n";</a:t>
                       </a:r>
                     </a:p>
                     <a:p>
@@ -16494,27 +16300,7 @@
                           <a:latin typeface="Ricty" pitchFamily="1" charset="-128"/>
                           <a:ea typeface="Ricty" pitchFamily="1" charset="-128"/>
                         </a:rPr>
-                        <a:t>print </a:t>
-                      </a:r>
-                      <a:r>
-                        <a:rPr kumimoji="1" lang="en-US" altLang="ja-JP" b="0" dirty="0" smtClean="0">
-                          <a:solidFill>
-                            <a:schemeClr val="tx1"/>
-                          </a:solidFill>
-                          <a:latin typeface="Ricty" pitchFamily="1" charset="-128"/>
-                          <a:ea typeface="Ricty" pitchFamily="1" charset="-128"/>
-                        </a:rPr>
-                        <a:t>"@{array3}\n</a:t>
-                      </a:r>
-                      <a:r>
-                        <a:rPr kumimoji="1" lang="en-US" altLang="ja-JP" b="0" dirty="0" smtClean="0">
-                          <a:solidFill>
-                            <a:schemeClr val="tx1"/>
-                          </a:solidFill>
-                          <a:latin typeface="Ricty" pitchFamily="1" charset="-128"/>
-                          <a:ea typeface="Ricty" pitchFamily="1" charset="-128"/>
-                        </a:rPr>
-                        <a:t>";</a:t>
+                        <a:t>print "@{array3}\n";</a:t>
                       </a:r>
                       <a:endParaRPr kumimoji="1" lang="ja-JP" altLang="en-US" b="0" dirty="0">
                         <a:solidFill>
@@ -17614,33 +17400,22 @@
                 <a:latin typeface="Ricty" pitchFamily="1" charset="-128"/>
                 <a:ea typeface="Ricty" pitchFamily="1" charset="-128"/>
               </a:rPr>
-              <a:t>print </a:t>
+              <a:t>print ${</a:t>
+            </a:r>
+            <a:r>
+              <a:rPr lang="en-US" altLang="ja-JP" sz="1800" dirty="0" err="1" smtClean="0">
+                <a:latin typeface="Ricty" pitchFamily="1" charset="-128"/>
+                <a:ea typeface="Ricty" pitchFamily="1" charset="-128"/>
+              </a:rPr>
+              <a:t>str</a:t>
             </a:r>
             <a:r>
               <a:rPr lang="en-US" altLang="ja-JP" sz="1800" dirty="0" smtClean="0">
                 <a:latin typeface="Ricty" pitchFamily="1" charset="-128"/>
                 <a:ea typeface="Ricty" pitchFamily="1" charset="-128"/>
               </a:rPr>
-              <a:t>${</a:t>
-            </a:r>
-            <a:r>
-              <a:rPr lang="en-US" altLang="ja-JP" sz="1800" dirty="0" err="1" smtClean="0">
-                <a:latin typeface="Ricty" pitchFamily="1" charset="-128"/>
-                <a:ea typeface="Ricty" pitchFamily="1" charset="-128"/>
-              </a:rPr>
-              <a:t>str</a:t>
-            </a:r>
-            <a:r>
-              <a:rPr lang="en-US" altLang="ja-JP" sz="1800" dirty="0" smtClean="0">
-                <a:latin typeface="Ricty" pitchFamily="1" charset="-128"/>
-                <a:ea typeface="Ricty" pitchFamily="1" charset="-128"/>
-              </a:rPr>
               <a:t>};</a:t>
             </a:r>
-            <a:endParaRPr lang="en-US" altLang="ja-JP" sz="1800" dirty="0" smtClean="0">
-              <a:latin typeface="Ricty" pitchFamily="1" charset="-128"/>
-              <a:ea typeface="Ricty" pitchFamily="1" charset="-128"/>
-            </a:endParaRPr>
           </a:p>
           <a:p>
             <a:pPr marL="0" indent="0">
@@ -18960,7 +18735,17 @@
                           <a:latin typeface="Ricty" pitchFamily="1" charset="-128"/>
                           <a:ea typeface="Ricty" pitchFamily="1" charset="-128"/>
                         </a:rPr>
-                        <a:t>print </a:t>
+                        <a:t>print "${x} + ${y} = ${</a:t>
+                      </a:r>
+                      <a:r>
+                        <a:rPr kumimoji="1" lang="en-US" altLang="ja-JP" b="0" dirty="0" err="1" smtClean="0">
+                          <a:solidFill>
+                            <a:schemeClr val="tx1"/>
+                          </a:solidFill>
+                          <a:latin typeface="Ricty" pitchFamily="1" charset="-128"/>
+                          <a:ea typeface="Ricty" pitchFamily="1" charset="-128"/>
+                        </a:rPr>
+                        <a:t>num</a:t>
                       </a:r>
                       <a:r>
                         <a:rPr kumimoji="1" lang="en-US" altLang="ja-JP" b="0" dirty="0" smtClean="0">
@@ -18970,77 +18755,7 @@
                           <a:latin typeface="Ricty" pitchFamily="1" charset="-128"/>
                           <a:ea typeface="Ricty" pitchFamily="1" charset="-128"/>
                         </a:rPr>
-                        <a:t>"${x} </a:t>
-                      </a:r>
-                      <a:r>
-                        <a:rPr kumimoji="1" lang="en-US" altLang="ja-JP" b="0" dirty="0" smtClean="0">
-                          <a:solidFill>
-                            <a:schemeClr val="tx1"/>
-                          </a:solidFill>
-                          <a:latin typeface="Ricty" pitchFamily="1" charset="-128"/>
-                          <a:ea typeface="Ricty" pitchFamily="1" charset="-128"/>
-                        </a:rPr>
-                        <a:t>+ </a:t>
-                      </a:r>
-                      <a:r>
-                        <a:rPr kumimoji="1" lang="en-US" altLang="ja-JP" b="0" dirty="0" smtClean="0">
-                          <a:solidFill>
-                            <a:schemeClr val="tx1"/>
-                          </a:solidFill>
-                          <a:latin typeface="Ricty" pitchFamily="1" charset="-128"/>
-                          <a:ea typeface="Ricty" pitchFamily="1" charset="-128"/>
-                        </a:rPr>
-                        <a:t>${y} </a:t>
-                      </a:r>
-                      <a:r>
-                        <a:rPr kumimoji="1" lang="en-US" altLang="ja-JP" b="0" dirty="0" smtClean="0">
-                          <a:solidFill>
-                            <a:schemeClr val="tx1"/>
-                          </a:solidFill>
-                          <a:latin typeface="Ricty" pitchFamily="1" charset="-128"/>
-                          <a:ea typeface="Ricty" pitchFamily="1" charset="-128"/>
-                        </a:rPr>
-                        <a:t>= </a:t>
-                      </a:r>
-                      <a:r>
-                        <a:rPr kumimoji="1" lang="en-US" altLang="ja-JP" b="0" dirty="0" smtClean="0">
-                          <a:solidFill>
-                            <a:schemeClr val="tx1"/>
-                          </a:solidFill>
-                          <a:latin typeface="Ricty" pitchFamily="1" charset="-128"/>
-                          <a:ea typeface="Ricty" pitchFamily="1" charset="-128"/>
-                        </a:rPr>
-                        <a:t>${</a:t>
-                      </a:r>
-                      <a:r>
-                        <a:rPr kumimoji="1" lang="en-US" altLang="ja-JP" b="0" dirty="0" err="1" smtClean="0">
-                          <a:solidFill>
-                            <a:schemeClr val="tx1"/>
-                          </a:solidFill>
-                          <a:latin typeface="Ricty" pitchFamily="1" charset="-128"/>
-                          <a:ea typeface="Ricty" pitchFamily="1" charset="-128"/>
-                        </a:rPr>
-                        <a:t>num</a:t>
-                      </a:r>
-                      <a:r>
-                        <a:rPr kumimoji="1" lang="en-US" altLang="ja-JP" b="0" dirty="0" smtClean="0">
-                          <a:solidFill>
-                            <a:schemeClr val="tx1"/>
-                          </a:solidFill>
-                          <a:latin typeface="Ricty" pitchFamily="1" charset="-128"/>
-                          <a:ea typeface="Ricty" pitchFamily="1" charset="-128"/>
-                        </a:rPr>
-                        <a:t>}\n</a:t>
-                      </a:r>
-                      <a:r>
-                        <a:rPr kumimoji="1" lang="en-US" altLang="ja-JP" b="0" dirty="0" smtClean="0">
-                          <a:solidFill>
-                            <a:schemeClr val="tx1"/>
-                          </a:solidFill>
-                          <a:latin typeface="Ricty" pitchFamily="1" charset="-128"/>
-                          <a:ea typeface="Ricty" pitchFamily="1" charset="-128"/>
-                        </a:rPr>
-                        <a:t>";</a:t>
+                        <a:t>}\n";</a:t>
                       </a:r>
                     </a:p>
                     <a:p>
@@ -19052,47 +18767,7 @@
                           <a:latin typeface="Ricty" pitchFamily="1" charset="-128"/>
                           <a:ea typeface="Ricty" pitchFamily="1" charset="-128"/>
                         </a:rPr>
-                        <a:t>print </a:t>
-                      </a:r>
-                      <a:r>
-                        <a:rPr kumimoji="1" lang="en-US" altLang="ja-JP" b="0" dirty="0" smtClean="0">
-                          <a:solidFill>
-                            <a:schemeClr val="tx1"/>
-                          </a:solidFill>
-                          <a:latin typeface="Ricty" pitchFamily="1" charset="-128"/>
-                          <a:ea typeface="Ricty" pitchFamily="1" charset="-128"/>
-                        </a:rPr>
-                        <a:t>"${x} </a:t>
-                      </a:r>
-                      <a:r>
-                        <a:rPr kumimoji="1" lang="en-US" altLang="ja-JP" b="0" dirty="0" smtClean="0">
-                          <a:solidFill>
-                            <a:schemeClr val="tx1"/>
-                          </a:solidFill>
-                          <a:latin typeface="Ricty" pitchFamily="1" charset="-128"/>
-                          <a:ea typeface="Ricty" pitchFamily="1" charset="-128"/>
-                        </a:rPr>
-                        <a:t>/ 10 = </a:t>
-                      </a:r>
-                      <a:r>
-                        <a:rPr kumimoji="1" lang="en-US" altLang="ja-JP" b="0" dirty="0" smtClean="0">
-                          <a:solidFill>
-                            <a:schemeClr val="tx1"/>
-                          </a:solidFill>
-                          <a:latin typeface="Ricty" pitchFamily="1" charset="-128"/>
-                          <a:ea typeface="Ricty" pitchFamily="1" charset="-128"/>
-                        </a:rPr>
-                        <a:t>${div}\n</a:t>
-                      </a:r>
-                      <a:r>
-                        <a:rPr kumimoji="1" lang="en-US" altLang="ja-JP" b="0" dirty="0" smtClean="0">
-                          <a:solidFill>
-                            <a:schemeClr val="tx1"/>
-                          </a:solidFill>
-                          <a:latin typeface="Ricty" pitchFamily="1" charset="-128"/>
-                          <a:ea typeface="Ricty" pitchFamily="1" charset="-128"/>
-                        </a:rPr>
-                        <a:t>";</a:t>
+                        <a:t>print "${x} / 10 = ${div}\n";</a:t>
                       </a:r>
                       <a:endParaRPr kumimoji="1" lang="ja-JP" altLang="en-US" b="0" dirty="0">
                         <a:solidFill>
@@ -20123,15 +19798,23 @@
             </a:r>
             <a:r>
               <a:rPr lang="ja-JP" altLang="en-US" dirty="0" smtClean="0"/>
-              <a:t>キーと</a:t>
-            </a:r>
-            <a:r>
-              <a:rPr lang="en-US" altLang="ja-JP" dirty="0" smtClean="0"/>
-              <a:t>z</a:t>
-            </a:r>
-            <a:r>
-              <a:rPr lang="ja-JP" altLang="en-US" dirty="0" smtClean="0"/>
-              <a:t>キーを同時押し</a:t>
+              <a:t>キー</a:t>
+            </a:r>
+            <a:r>
+              <a:rPr lang="ja-JP" altLang="en-US" dirty="0" smtClean="0"/>
+              <a:t>と</a:t>
+            </a:r>
+            <a:r>
+              <a:rPr lang="en-US" altLang="ja-JP"/>
+              <a:t>c</a:t>
+            </a:r>
+            <a:r>
+              <a:rPr lang="ja-JP" altLang="en-US" smtClean="0"/>
+              <a:t>キー</a:t>
+            </a:r>
+            <a:r>
+              <a:rPr lang="ja-JP" altLang="en-US" dirty="0" smtClean="0"/>
+              <a:t>を同時押し</a:t>
             </a:r>
             <a:r>
               <a:rPr lang="en-US" altLang="ja-JP" dirty="0" smtClean="0"/>

--- a/03/perl_entrance_03.pptx
+++ b/03/perl_entrance_03.pptx
@@ -12236,7 +12236,7 @@
           <p:nvPr>
             <p:extLst>
               <p:ext uri="{D42A27DB-BD31-4B8C-83A1-F6EECF244321}">
-                <p14:modId xmlns:p14="http://schemas.microsoft.com/office/powerpoint/2010/main" val="4111140547"/>
+                <p14:modId xmlns:p14="http://schemas.microsoft.com/office/powerpoint/2010/main" val="303745613"/>
               </p:ext>
             </p:extLst>
           </p:nvPr>
@@ -12833,17 +12833,27 @@
                           <a:latin typeface="Ricty" pitchFamily="1" charset="-128"/>
                           <a:ea typeface="Ricty" pitchFamily="1" charset="-128"/>
                         </a:rPr>
-                        <a:t>print "${array}[0]\n"; # "</a:t>
-                      </a:r>
-                      <a:r>
-                        <a:rPr kumimoji="1" lang="en-US" altLang="ja-JP" b="0" dirty="0" err="1" smtClean="0">
-                          <a:solidFill>
-                            <a:schemeClr val="tx1"/>
-                          </a:solidFill>
-                          <a:latin typeface="Ricty" pitchFamily="1" charset="-128"/>
-                          <a:ea typeface="Ricty" pitchFamily="1" charset="-128"/>
-                        </a:rPr>
-                        <a:t>strayberry</a:t>
+                        <a:t>print </a:t>
+                      </a:r>
+                      <a:r>
+                        <a:rPr kumimoji="1" lang="en-US" altLang="ja-JP" b="0" smtClean="0">
+                          <a:solidFill>
+                            <a:schemeClr val="tx1"/>
+                          </a:solidFill>
+                          <a:latin typeface="Ricty" pitchFamily="1" charset="-128"/>
+                          <a:ea typeface="Ricty" pitchFamily="1" charset="-128"/>
+                        </a:rPr>
+                        <a:t>"${</a:t>
+                      </a:r>
+                      <a:r>
+                        <a:rPr kumimoji="1" lang="en-US" altLang="ja-JP" b="0" smtClean="0">
+                          <a:solidFill>
+                            <a:schemeClr val="tx1"/>
+                          </a:solidFill>
+                          <a:latin typeface="Ricty" pitchFamily="1" charset="-128"/>
+                          <a:ea typeface="Ricty" pitchFamily="1" charset="-128"/>
+                        </a:rPr>
+                        <a:t>array[0]}\</a:t>
                       </a:r>
                       <a:r>
                         <a:rPr kumimoji="1" lang="en-US" altLang="ja-JP" b="0" dirty="0" smtClean="0">
@@ -12853,7 +12863,17 @@
                           <a:latin typeface="Ricty" pitchFamily="1" charset="-128"/>
                           <a:ea typeface="Ricty" pitchFamily="1" charset="-128"/>
                         </a:rPr>
-                        <a:t>"</a:t>
+                        <a:t>n"; # </a:t>
+                      </a:r>
+                      <a:r>
+                        <a:rPr kumimoji="1" lang="en-US" altLang="ja-JP" b="0" dirty="0" smtClean="0">
+                          <a:solidFill>
+                            <a:schemeClr val="tx1"/>
+                          </a:solidFill>
+                          <a:latin typeface="Ricty" pitchFamily="1" charset="-128"/>
+                          <a:ea typeface="Ricty" pitchFamily="1" charset="-128"/>
+                        </a:rPr>
+                        <a:t>"strawberry"</a:t>
                       </a:r>
                       <a:r>
                         <a:rPr kumimoji="1" lang="ja-JP" altLang="en-US" b="0" dirty="0" smtClean="0">
@@ -19798,11 +19818,7 @@
             </a:r>
             <a:r>
               <a:rPr lang="ja-JP" altLang="en-US" dirty="0" smtClean="0"/>
-              <a:t>キー</a:t>
-            </a:r>
-            <a:r>
-              <a:rPr lang="ja-JP" altLang="en-US" dirty="0" smtClean="0"/>
-              <a:t>と</a:t>
+              <a:t>キーと</a:t>
             </a:r>
             <a:r>
               <a:rPr lang="en-US" altLang="ja-JP"/>
